--- a/git操作.pptx
+++ b/git操作.pptx
@@ -3174,18 +3174,132 @@
               <a:rPr lang="en-US" altLang="zh-CN"/>
               <a:t>git bash </a:t>
             </a:r>
+            <a:endParaRPr lang="en-US" altLang="zh-CN"/>
+          </a:p>
+          <a:p>
+            <a:pPr marL="0" indent="0">
+              <a:buNone/>
+            </a:pPr>
             <a:r>
               <a:rPr lang="zh-CN" altLang="en-US"/>
               <a:t>然后再敲入</a:t>
             </a:r>
             <a:r>
               <a:rPr lang="en-US" altLang="zh-CN"/>
-              <a:t>git in</a:t>
+              <a:t>git init  </a:t>
+            </a:r>
+            <a:r>
+              <a:rPr lang="zh-CN" altLang="en-US"/>
+              <a:t>然后</a:t>
             </a:r>
             <a:r>
               <a:rPr lang="en-US" altLang="zh-CN"/>
-              <a:t>it </a:t>
-            </a:r>
+              <a:t>git add </a:t>
+            </a:r>
+            <a:r>
+              <a:rPr lang="zh-CN" altLang="en-US"/>
+              <a:t>文件</a:t>
+            </a:r>
+            <a:r>
+              <a:rPr lang="en-US" altLang="zh-CN"/>
+              <a:t> </a:t>
+            </a:r>
+            <a:r>
+              <a:rPr lang="zh-CN" altLang="en-US"/>
+              <a:t>这步操作是将这个文件放入到仓库的暂存区</a:t>
+            </a:r>
+            <a:r>
+              <a:rPr lang="en-US" altLang="zh-CN"/>
+              <a:t> </a:t>
+            </a:r>
+            <a:r>
+              <a:rPr lang="zh-CN" altLang="en-US"/>
+              <a:t>如果添加的文件和修改的文件很多可以直接</a:t>
+            </a:r>
+            <a:r>
+              <a:rPr lang="en-US" altLang="zh-CN"/>
+              <a:t>git add . </a:t>
+            </a:r>
+            <a:r>
+              <a:rPr lang="zh-CN" altLang="en-US"/>
+              <a:t>将所用的文件放入到暂存区</a:t>
+            </a:r>
+            <a:r>
+              <a:rPr lang="zh-CN" altLang="en-US"/>
+              <a:t>中</a:t>
+            </a:r>
+            <a:endParaRPr lang="zh-CN" altLang="en-US"/>
+          </a:p>
+          <a:p>
+            <a:pPr marL="0" indent="0">
+              <a:buNone/>
+            </a:pPr>
+            <a:r>
+              <a:rPr lang="en-US" altLang="zh-CN"/>
+              <a:t>git commit -m '</a:t>
+            </a:r>
+            <a:r>
+              <a:rPr lang="zh-CN" altLang="en-US"/>
+              <a:t>所有的计算机基础的</a:t>
+            </a:r>
+            <a:r>
+              <a:rPr lang="en-US" altLang="zh-CN"/>
+              <a:t>ppt'  </a:t>
+            </a:r>
+            <a:endParaRPr lang="en-US" altLang="zh-CN"/>
+          </a:p>
+          <a:p>
+            <a:pPr marL="0" indent="0">
+              <a:buNone/>
+            </a:pPr>
+            <a:r>
+              <a:rPr lang="en-US" altLang="zh-CN"/>
+              <a:t>git log</a:t>
+            </a:r>
+            <a:r>
+              <a:rPr lang="zh-CN" altLang="en-US"/>
+              <a:t>查看提交的文件的日志</a:t>
+            </a:r>
+            <a:r>
+              <a:rPr lang="en-US" altLang="zh-CN"/>
+              <a:t>  </a:t>
+            </a:r>
+            <a:r>
+              <a:rPr lang="zh-CN" altLang="en-US"/>
+              <a:t>有一个</a:t>
+            </a:r>
+            <a:r>
+              <a:rPr lang="en-US" altLang="zh-CN"/>
+              <a:t>commit </a:t>
+            </a:r>
+            <a:r>
+              <a:rPr lang="en-US" altLang="zh-CN"/>
+              <a:t>id 03eee2bb790c05cfe492bfd3e199cbb32e878e87 </a:t>
+            </a:r>
+            <a:endParaRPr lang="en-US" altLang="zh-CN"/>
+          </a:p>
+          <a:p>
+            <a:pPr marL="0" indent="0">
+              <a:buNone/>
+            </a:pPr>
+            <a:r>
+              <a:rPr lang="en-US" altLang="zh-CN"/>
+              <a:t>git log --stat </a:t>
+            </a:r>
+            <a:r>
+              <a:rPr lang="zh-CN" altLang="en-US"/>
+              <a:t>查看每次提交了哪些修改文件</a:t>
+            </a:r>
+            <a:r>
+              <a:rPr lang="en-US" altLang="zh-CN"/>
+              <a:t>  </a:t>
+            </a:r>
+            <a:endParaRPr lang="en-US" altLang="zh-CN"/>
+          </a:p>
+          <a:p>
+            <a:pPr marL="0" indent="0">
+              <a:buNone/>
+            </a:pPr>
             <a:endParaRPr lang="en-US" altLang="zh-CN"/>
           </a:p>
         </p:txBody>
@@ -3275,6 +3389,25 @@
         <p:txBody>
           <a:bodyPr/>
           <a:p>
+            <a:r>
+              <a:rPr lang="zh-CN" altLang="en-US"/>
+              <a:t>从远程仓库下载文件到本地不需要验证登录身份</a:t>
+            </a:r>
+            <a:r>
+              <a:rPr lang="zh-CN" altLang="en-US"/>
+              <a:t>信息</a:t>
+            </a:r>
+            <a:endParaRPr lang="zh-CN" altLang="en-US"/>
+          </a:p>
+          <a:p>
+            <a:r>
+              <a:rPr lang="zh-CN" altLang="en-US"/>
+              <a:t>但是如果将本地的仓库上传到你自己的线上仓库需要验证</a:t>
+            </a:r>
+            <a:r>
+              <a:rPr lang="zh-CN" altLang="en-US"/>
+              <a:t>信息。</a:t>
+            </a:r>
             <a:endParaRPr lang="zh-CN" altLang="en-US"/>
           </a:p>
         </p:txBody>

--- a/git操作.pptx
+++ b/git操作.pptx
@@ -113,7 +113,7 @@
             <a:srgbClr val="A4A3A4"/>
           </p15:clr>
         </p15:guide>
-        <p15:guide id="2" pos="3840" userDrawn="1">
+        <p15:guide id="2" pos="3838" userDrawn="1">
           <p15:clr>
             <a:srgbClr val="A4A3A4"/>
           </p15:clr>
@@ -3410,6 +3410,12 @@
             </a:r>
             <a:endParaRPr lang="zh-CN" altLang="en-US"/>
           </a:p>
+          <a:p>
+            <a:pPr marL="0" indent="0">
+              <a:buNone/>
+            </a:pPr>
+            <a:endParaRPr lang="zh-CN" altLang="en-US"/>
+          </a:p>
         </p:txBody>
       </p:sp>
     </p:spTree>
